--- a/papers/report 4 6.pptx
+++ b/papers/report 4 6.pptx
@@ -2573,17 +2573,7 @@
                 <a:latin typeface="Adobe Garamond Pro" charset="0"/>
                 <a:ea typeface="宋体" panose="02010600030101010101" pitchFamily="2" charset="-122"/>
               </a:rPr>
-              <a:t>4/6 </a:t>
-            </a:r>
-            <a:r>
-              <a:rPr lang="en-US" altLang="zh-CN" sz="3600" dirty="0" smtClean="0">
-                <a:solidFill>
-                  <a:schemeClr val="bg1"/>
-                </a:solidFill>
-                <a:latin typeface="Adobe Garamond Pro" charset="0"/>
-                <a:ea typeface="宋体" panose="02010600030101010101" pitchFamily="2" charset="-122"/>
-              </a:rPr>
-              <a:t>Report</a:t>
+              <a:t>4/6 Report</a:t>
             </a:r>
           </a:p>
           <a:p>
@@ -3093,7 +3083,6 @@
               <a:rPr lang="en-US" sz="1200" dirty="0"/>
               <a:t>Algorithm 1</a:t>
             </a:r>
-            <a:endParaRPr lang="en-US" sz="1200" dirty="0"/>
           </a:p>
         </p:txBody>
       </p:sp>
@@ -3642,7 +3631,6 @@
               <a:rPr lang="en-US" sz="1200" dirty="0"/>
               <a:t>Algorithm 1</a:t>
             </a:r>
-            <a:endParaRPr lang="en-US" sz="1200" dirty="0"/>
           </a:p>
         </p:txBody>
       </p:sp>
@@ -4167,7 +4155,6 @@
               <a:rPr lang="en-US" sz="1200" dirty="0"/>
               <a:t>Algorithm 1</a:t>
             </a:r>
-            <a:endParaRPr lang="en-US" sz="1200" dirty="0"/>
           </a:p>
         </p:txBody>
       </p:sp>
@@ -4830,7 +4817,6 @@
               <a:rPr lang="en-US" sz="1200" dirty="0"/>
               <a:t>Algorithm 1</a:t>
             </a:r>
-            <a:endParaRPr lang="en-US" sz="1200" dirty="0"/>
           </a:p>
         </p:txBody>
       </p:sp>
@@ -5310,15 +5296,7 @@
           <a:p>
             <a:r>
               <a:rPr lang="en-US" dirty="0" smtClean="0"/>
-              <a:t>3.1 Result from </a:t>
-            </a:r>
-            <a:r>
-              <a:rPr lang="en-US" dirty="0" smtClean="0"/>
-              <a:t>cross-validation experiment</a:t>
-            </a:r>
-            <a:r>
-              <a:rPr lang="en-US" dirty="0" smtClean="0"/>
-              <a:t> </a:t>
+              <a:t>3.1 Result from cross-validation experiment </a:t>
             </a:r>
           </a:p>
           <a:p>
@@ -6410,13 +6388,8 @@
           <a:p>
             <a:r>
               <a:rPr lang="en-US" dirty="0" smtClean="0"/>
-              <a:t>4.2 </a:t>
-            </a:r>
-            <a:r>
-              <a:rPr lang="en-US" dirty="0" smtClean="0"/>
-              <a:t>Works to be done</a:t>
-            </a:r>
-            <a:endParaRPr lang="en-US" dirty="0" smtClean="0"/>
+              <a:t>4.2 Works to be done</a:t>
+            </a:r>
           </a:p>
         </p:txBody>
       </p:sp>
@@ -6856,7 +6829,6 @@
               <a:rPr lang="en-US" dirty="0" smtClean="0"/>
               <a:t>1.1 Original LP Metric Learning</a:t>
             </a:r>
-            <a:endParaRPr lang="en-US" dirty="0" smtClean="0"/>
           </a:p>
         </p:txBody>
       </p:sp>
@@ -7468,16 +7440,6 @@
               </a:rPr>
               <a:t>Violation exist ?</a:t>
             </a:r>
-            <a:endParaRPr kumimoji="0" lang="en-US" sz="1100" b="0" i="0" u="none" strike="noStrike" cap="none" normalizeH="0" baseline="0" dirty="0" smtClean="0">
-              <a:ln>
-                <a:noFill/>
-              </a:ln>
-              <a:solidFill>
-                <a:schemeClr val="tx1"/>
-              </a:solidFill>
-              <a:effectLst/>
-              <a:latin typeface="Times" panose="02020603050405020304" pitchFamily="18" charset="0"/>
-            </a:endParaRPr>
           </a:p>
         </p:txBody>
       </p:sp>
@@ -7600,16 +7562,6 @@
               </a:rPr>
               <a:t>Add relative constraints</a:t>
             </a:r>
-            <a:endParaRPr kumimoji="0" lang="en-US" sz="1100" b="0" i="0" u="none" strike="noStrike" cap="none" normalizeH="0" baseline="0" dirty="0" smtClean="0">
-              <a:ln>
-                <a:noFill/>
-              </a:ln>
-              <a:solidFill>
-                <a:schemeClr val="tx1"/>
-              </a:solidFill>
-              <a:effectLst/>
-              <a:latin typeface="Times" panose="02020603050405020304" pitchFamily="18" charset="0"/>
-            </a:endParaRPr>
           </a:p>
         </p:txBody>
       </p:sp>
@@ -9557,8 +9509,18 @@
                 <a:effectLst/>
                 <a:latin typeface="Times" panose="02020603050405020304" pitchFamily="18" charset="0"/>
               </a:rPr>
-              <a:t>LP</a:t>
-            </a:r>
+              <a:t>LP in 4.2</a:t>
+            </a:r>
+            <a:endParaRPr kumimoji="0" lang="en-US" sz="1100" b="0" i="0" u="none" strike="noStrike" cap="none" normalizeH="0" baseline="0" dirty="0" smtClean="0">
+              <a:ln>
+                <a:noFill/>
+              </a:ln>
+              <a:solidFill>
+                <a:schemeClr val="tx1"/>
+              </a:solidFill>
+              <a:effectLst/>
+              <a:latin typeface="Times" panose="02020603050405020304" pitchFamily="18" charset="0"/>
+            </a:endParaRPr>
           </a:p>
         </p:txBody>
       </p:sp>
@@ -10053,9 +10015,9 @@
           <p:nvPr/>
         </p:nvCxnSpPr>
         <p:spPr bwMode="auto">
-          <a:xfrm>
-            <a:off x="1975036" y="3212976"/>
-            <a:ext cx="3058" cy="1006258"/>
+          <a:xfrm flipH="1">
+            <a:off x="1971979" y="3212976"/>
+            <a:ext cx="3057" cy="421956"/>
           </a:xfrm>
           <a:prstGeom prst="straightConnector1">
             <a:avLst/>
@@ -10121,14 +10083,14 @@
           <p:cNvPr id="33" name="直接箭头连接符 32"/>
           <p:cNvCxnSpPr>
             <a:stCxn id="36" idx="2"/>
-            <a:endCxn id="44" idx="0"/>
+            <a:endCxn id="90" idx="0"/>
           </p:cNvCxnSpPr>
           <p:nvPr/>
         </p:nvCxnSpPr>
         <p:spPr bwMode="auto">
-          <a:xfrm>
-            <a:off x="1978094" y="4621109"/>
-            <a:ext cx="480" cy="690340"/>
+          <a:xfrm flipH="1">
+            <a:off x="1970360" y="4036807"/>
+            <a:ext cx="1619" cy="421956"/>
           </a:xfrm>
           <a:prstGeom prst="straightConnector1">
             <a:avLst/>
@@ -10167,7 +10129,7 @@
         </p:nvSpPr>
         <p:spPr bwMode="auto">
           <a:xfrm>
-            <a:off x="5541081" y="5144432"/>
+            <a:off x="1391958" y="4458763"/>
             <a:ext cx="1156804" cy="360040"/>
           </a:xfrm>
           <a:prstGeom prst="roundRect">
@@ -10241,36 +10203,6 @@
       </p:sp>
       <p:sp>
         <p:nvSpPr>
-          <p:cNvPr id="93" name="文本框 92"/>
-          <p:cNvSpPr txBox="1"/>
-          <p:nvPr/>
-        </p:nvSpPr>
-        <p:spPr>
-          <a:xfrm>
-            <a:off x="5282784" y="4343108"/>
-            <a:ext cx="432048" cy="261610"/>
-          </a:xfrm>
-          <a:prstGeom prst="rect">
-            <a:avLst/>
-          </a:prstGeom>
-          <a:noFill/>
-        </p:spPr>
-        <p:txBody>
-          <a:bodyPr wrap="square" rtlCol="0">
-            <a:spAutoFit/>
-          </a:bodyPr>
-          <a:lstStyle/>
-          <a:p>
-            <a:r>
-              <a:rPr lang="en-US" sz="1100" dirty="0" smtClean="0"/>
-              <a:t>No</a:t>
-            </a:r>
-            <a:endParaRPr lang="en-US" sz="1100" dirty="0"/>
-          </a:p>
-        </p:txBody>
-      </p:sp>
-      <p:sp>
-        <p:nvSpPr>
           <p:cNvPr id="3098" name="文本框 3097"/>
           <p:cNvSpPr txBox="1"/>
           <p:nvPr/>
@@ -10348,7 +10280,7 @@
         </p:nvSpPr>
         <p:spPr bwMode="auto">
           <a:xfrm>
-            <a:off x="1326964" y="4219234"/>
+            <a:off x="1320849" y="3634932"/>
             <a:ext cx="1302259" cy="401875"/>
           </a:xfrm>
           <a:prstGeom prst="flowChartProcess">
@@ -10411,15 +10343,17 @@
                 <a:effectLst/>
                 <a:latin typeface="Times" panose="02020603050405020304" pitchFamily="18" charset="0"/>
               </a:rPr>
-              <a:t>   </a:t>
+              <a:t> </a:t>
             </a:r>
             <a:r>
               <a:rPr lang="en-US" altLang="zh-CN" sz="1100" dirty="0" smtClean="0"/>
               <a:t>outliers</a:t>
             </a:r>
+          </a:p>
+          <a:p>
             <a:r>
               <a:rPr lang="en-US" sz="1100" dirty="0" smtClean="0"/>
-              <a:t> </a:t>
+              <a:t>In 5.2 </a:t>
             </a:r>
             <a:endParaRPr kumimoji="0" lang="en-US" sz="1100" b="0" i="0" u="none" strike="noStrike" cap="none" normalizeH="0" baseline="0" dirty="0" smtClean="0">
               <a:ln>
@@ -10436,16 +10370,16 @@
       </p:sp>
       <p:sp>
         <p:nvSpPr>
-          <p:cNvPr id="43" name="流程图: 决策 42"/>
+          <p:cNvPr id="56" name="流程图: 过程 55"/>
           <p:cNvSpPr/>
           <p:nvPr/>
         </p:nvSpPr>
         <p:spPr bwMode="auto">
           <a:xfrm>
-            <a:off x="3093498" y="4252138"/>
-            <a:ext cx="1694074" cy="705161"/>
-          </a:xfrm>
-          <a:prstGeom prst="flowChartDecision">
+            <a:off x="1326964" y="1525049"/>
+            <a:ext cx="1296144" cy="288032"/>
+          </a:xfrm>
+          <a:prstGeom prst="flowChartProcess">
             <a:avLst/>
           </a:prstGeom>
           <a:solidFill>
@@ -10481,243 +10415,6 @@
           </a:bodyPr>
           <a:lstStyle/>
           <a:p>
-            <a:pPr marL="0" marR="0" indent="0" algn="l" defTabSz="914400" rtl="0" eaLnBrk="0" fontAlgn="base" latinLnBrk="0" hangingPunct="0">
-              <a:lnSpc>
-                <a:spcPct val="100000"/>
-              </a:lnSpc>
-              <a:spcBef>
-                <a:spcPct val="0"/>
-              </a:spcBef>
-              <a:spcAft>
-                <a:spcPct val="0"/>
-              </a:spcAft>
-              <a:buClrTx/>
-              <a:buSzTx/>
-              <a:buFontTx/>
-              <a:buNone/>
-              <a:tabLst/>
-            </a:pPr>
-            <a:r>
-              <a:rPr kumimoji="0" lang="en-US" sz="1100" b="0" i="0" u="none" strike="noStrike" cap="none" normalizeH="0" baseline="0" dirty="0" smtClean="0">
-                <a:ln>
-                  <a:noFill/>
-                </a:ln>
-                <a:solidFill>
-                  <a:schemeClr val="tx1"/>
-                </a:solidFill>
-                <a:effectLst/>
-                <a:latin typeface="Times" panose="02020603050405020304" pitchFamily="18" charset="0"/>
-              </a:rPr>
-              <a:t>Outliers changed?</a:t>
-            </a:r>
-          </a:p>
-        </p:txBody>
-      </p:sp>
-      <p:cxnSp>
-        <p:nvCxnSpPr>
-          <p:cNvPr id="27" name="肘形连接符 26"/>
-          <p:cNvCxnSpPr>
-            <a:stCxn id="43" idx="3"/>
-            <a:endCxn id="90" idx="0"/>
-          </p:cNvCxnSpPr>
-          <p:nvPr/>
-        </p:nvCxnSpPr>
-        <p:spPr bwMode="auto">
-          <a:xfrm>
-            <a:off x="4787572" y="4604719"/>
-            <a:ext cx="1331911" cy="539713"/>
-          </a:xfrm>
-          <a:prstGeom prst="bentConnector2">
-            <a:avLst/>
-          </a:prstGeom>
-          <a:solidFill>
-            <a:schemeClr val="accent1"/>
-          </a:solidFill>
-          <a:ln w="9525" cap="flat" cmpd="sng" algn="ctr">
-            <a:solidFill>
-              <a:schemeClr val="tx1"/>
-            </a:solidFill>
-            <a:prstDash val="solid"/>
-            <a:round/>
-            <a:headEnd type="none" w="med" len="med"/>
-            <a:tailEnd type="triangle"/>
-          </a:ln>
-          <a:effectLst/>
-          <a:extLst>
-            <a:ext uri="{AF507438-7753-43E0-B8FC-AC1667EBCBE1}">
-              <a14:hiddenEffects xmlns:a14="http://schemas.microsoft.com/office/drawing/2010/main">
-                <a:effectLst>
-                  <a:outerShdw dist="35921" dir="2700000" algn="ctr" rotWithShape="0">
-                    <a:schemeClr val="bg2"/>
-                  </a:outerShdw>
-                </a:effectLst>
-              </a14:hiddenEffects>
-            </a:ext>
-          </a:extLst>
-        </p:spPr>
-      </p:cxnSp>
-      <p:sp>
-        <p:nvSpPr>
-          <p:cNvPr id="46" name="文本框 45"/>
-          <p:cNvSpPr txBox="1"/>
-          <p:nvPr/>
-        </p:nvSpPr>
-        <p:spPr>
-          <a:xfrm>
-            <a:off x="3329760" y="3803395"/>
-            <a:ext cx="432048" cy="261610"/>
-          </a:xfrm>
-          <a:prstGeom prst="rect">
-            <a:avLst/>
-          </a:prstGeom>
-          <a:noFill/>
-        </p:spPr>
-        <p:txBody>
-          <a:bodyPr wrap="square" rtlCol="0">
-            <a:spAutoFit/>
-          </a:bodyPr>
-          <a:lstStyle/>
-          <a:p>
-            <a:r>
-              <a:rPr lang="en-US" sz="1100" dirty="0" smtClean="0"/>
-              <a:t>Yes</a:t>
-            </a:r>
-            <a:endParaRPr lang="en-US" sz="1100" dirty="0"/>
-          </a:p>
-        </p:txBody>
-      </p:sp>
-      <p:cxnSp>
-        <p:nvCxnSpPr>
-          <p:cNvPr id="37" name="肘形连接符 36"/>
-          <p:cNvCxnSpPr>
-            <a:stCxn id="44" idx="3"/>
-            <a:endCxn id="43" idx="2"/>
-          </p:cNvCxnSpPr>
-          <p:nvPr/>
-        </p:nvCxnSpPr>
-        <p:spPr bwMode="auto">
-          <a:xfrm flipV="1">
-            <a:off x="2626646" y="4957299"/>
-            <a:ext cx="1313889" cy="498166"/>
-          </a:xfrm>
-          <a:prstGeom prst="bentConnector2">
-            <a:avLst/>
-          </a:prstGeom>
-          <a:solidFill>
-            <a:schemeClr val="accent1"/>
-          </a:solidFill>
-          <a:ln w="9525" cap="flat" cmpd="sng" algn="ctr">
-            <a:solidFill>
-              <a:schemeClr val="tx1"/>
-            </a:solidFill>
-            <a:prstDash val="solid"/>
-            <a:round/>
-            <a:headEnd type="none" w="med" len="med"/>
-            <a:tailEnd type="triangle"/>
-          </a:ln>
-          <a:effectLst/>
-          <a:extLst>
-            <a:ext uri="{AF507438-7753-43E0-B8FC-AC1667EBCBE1}">
-              <a14:hiddenEffects xmlns:a14="http://schemas.microsoft.com/office/drawing/2010/main">
-                <a:effectLst>
-                  <a:outerShdw dist="35921" dir="2700000" algn="ctr" rotWithShape="0">
-                    <a:schemeClr val="bg2"/>
-                  </a:outerShdw>
-                </a:effectLst>
-              </a14:hiddenEffects>
-            </a:ext>
-          </a:extLst>
-        </p:spPr>
-      </p:cxnSp>
-      <p:cxnSp>
-        <p:nvCxnSpPr>
-          <p:cNvPr id="39" name="肘形连接符 38"/>
-          <p:cNvCxnSpPr>
-            <a:stCxn id="43" idx="0"/>
-          </p:cNvCxnSpPr>
-          <p:nvPr/>
-        </p:nvCxnSpPr>
-        <p:spPr bwMode="auto">
-          <a:xfrm rot="16200000" flipV="1">
-            <a:off x="2582221" y="2893823"/>
-            <a:ext cx="751130" cy="1965499"/>
-          </a:xfrm>
-          <a:prstGeom prst="bentConnector2">
-            <a:avLst/>
-          </a:prstGeom>
-          <a:solidFill>
-            <a:schemeClr val="accent1"/>
-          </a:solidFill>
-          <a:ln w="9525" cap="flat" cmpd="sng" algn="ctr">
-            <a:solidFill>
-              <a:schemeClr val="tx1"/>
-            </a:solidFill>
-            <a:prstDash val="solid"/>
-            <a:round/>
-            <a:headEnd type="none" w="med" len="med"/>
-            <a:tailEnd type="triangle"/>
-          </a:ln>
-          <a:effectLst/>
-          <a:extLst>
-            <a:ext uri="{AF507438-7753-43E0-B8FC-AC1667EBCBE1}">
-              <a14:hiddenEffects xmlns:a14="http://schemas.microsoft.com/office/drawing/2010/main">
-                <a:effectLst>
-                  <a:outerShdw dist="35921" dir="2700000" algn="ctr" rotWithShape="0">
-                    <a:schemeClr val="bg2"/>
-                  </a:outerShdw>
-                </a:effectLst>
-              </a14:hiddenEffects>
-            </a:ext>
-          </a:extLst>
-        </p:spPr>
-      </p:cxnSp>
-      <p:sp>
-        <p:nvSpPr>
-          <p:cNvPr id="56" name="流程图: 过程 55"/>
-          <p:cNvSpPr/>
-          <p:nvPr/>
-        </p:nvSpPr>
-        <p:spPr bwMode="auto">
-          <a:xfrm>
-            <a:off x="1326964" y="1525049"/>
-            <a:ext cx="1296144" cy="288032"/>
-          </a:xfrm>
-          <a:prstGeom prst="flowChartProcess">
-            <a:avLst/>
-          </a:prstGeom>
-          <a:solidFill>
-            <a:schemeClr val="accent1"/>
-          </a:solidFill>
-          <a:ln w="9525" cap="flat" cmpd="sng" algn="ctr">
-            <a:solidFill>
-              <a:schemeClr val="tx1"/>
-            </a:solidFill>
-            <a:prstDash val="solid"/>
-            <a:round/>
-            <a:headEnd type="none" w="med" len="med"/>
-            <a:tailEnd type="none" w="med" len="med"/>
-          </a:ln>
-          <a:effectLst/>
-          <a:extLst>
-            <a:ext uri="{AF507438-7753-43E0-B8FC-AC1667EBCBE1}">
-              <a14:hiddenEffects xmlns:a14="http://schemas.microsoft.com/office/drawing/2010/main">
-                <a:effectLst>
-                  <a:outerShdw dist="35921" dir="2700000" algn="ctr" rotWithShape="0">
-                    <a:schemeClr val="bg2"/>
-                  </a:outerShdw>
-                </a:effectLst>
-              </a14:hiddenEffects>
-            </a:ext>
-          </a:extLst>
-        </p:spPr>
-        <p:txBody>
-          <a:bodyPr vert="horz" wrap="square" lIns="91440" tIns="45720" rIns="91440" bIns="45720" numCol="1" rtlCol="0" anchor="t" anchorCtr="0" compatLnSpc="1">
-            <a:prstTxWarp prst="textNoShape">
-              <a:avLst/>
-            </a:prstTxWarp>
-          </a:bodyPr>
-          <a:lstStyle/>
-          <a:p>
             <a:pPr marL="0" marR="0" indent="0" algn="ctr" defTabSz="914400" rtl="0" eaLnBrk="0" fontAlgn="base" latinLnBrk="0" hangingPunct="0">
               <a:lnSpc>
                 <a:spcPct val="100000"/>
@@ -10746,166 +10443,6 @@
                 <a:latin typeface="Times" panose="02020603050405020304" pitchFamily="18" charset="0"/>
               </a:rPr>
               <a:t>Set epsilon</a:t>
-            </a:r>
-          </a:p>
-        </p:txBody>
-      </p:sp>
-      <p:sp>
-        <p:nvSpPr>
-          <p:cNvPr id="23" name="矩形 22"/>
-          <p:cNvSpPr/>
-          <p:nvPr/>
-        </p:nvSpPr>
-        <p:spPr bwMode="auto">
-          <a:xfrm>
-            <a:off x="916199" y="4042177"/>
-            <a:ext cx="2016224" cy="792088"/>
-          </a:xfrm>
-          <a:prstGeom prst="rect">
-            <a:avLst/>
-          </a:prstGeom>
-          <a:solidFill>
-            <a:schemeClr val="accent1">
-              <a:alpha val="0"/>
-            </a:schemeClr>
-          </a:solidFill>
-          <a:ln w="9525" cap="flat" cmpd="sng" algn="ctr">
-            <a:solidFill>
-              <a:srgbClr val="FF0000"/>
-            </a:solidFill>
-            <a:prstDash val="solid"/>
-            <a:round/>
-            <a:headEnd type="none" w="med" len="med"/>
-            <a:tailEnd type="none" w="med" len="med"/>
-          </a:ln>
-          <a:effectLst/>
-          <a:extLst/>
-        </p:spPr>
-        <p:txBody>
-          <a:bodyPr vert="horz" wrap="square" lIns="91440" tIns="45720" rIns="91440" bIns="45720" numCol="1" rtlCol="0" anchor="t" anchorCtr="0" compatLnSpc="1">
-            <a:prstTxWarp prst="textNoShape">
-              <a:avLst/>
-            </a:prstTxWarp>
-          </a:bodyPr>
-          <a:lstStyle/>
-          <a:p>
-            <a:pPr marL="0" marR="0" indent="0" algn="l" defTabSz="914400" rtl="0" eaLnBrk="0" fontAlgn="base" latinLnBrk="0" hangingPunct="0">
-              <a:lnSpc>
-                <a:spcPct val="100000"/>
-              </a:lnSpc>
-              <a:spcBef>
-                <a:spcPct val="0"/>
-              </a:spcBef>
-              <a:spcAft>
-                <a:spcPct val="0"/>
-              </a:spcAft>
-              <a:buClrTx/>
-              <a:buSzTx/>
-              <a:buFontTx/>
-              <a:buNone/>
-              <a:tabLst/>
-            </a:pPr>
-            <a:endParaRPr kumimoji="0" lang="en-US" sz="2400" b="0" i="0" u="none" strike="noStrike" cap="none" normalizeH="0" baseline="0" smtClean="0">
-              <a:ln>
-                <a:noFill/>
-              </a:ln>
-              <a:solidFill>
-                <a:schemeClr val="tx1"/>
-              </a:solidFill>
-              <a:effectLst/>
-              <a:latin typeface="Times" panose="02020603050405020304" pitchFamily="18" charset="0"/>
-            </a:endParaRPr>
-          </a:p>
-        </p:txBody>
-      </p:sp>
-      <p:sp>
-        <p:nvSpPr>
-          <p:cNvPr id="44" name="流程图: 过程 43"/>
-          <p:cNvSpPr/>
-          <p:nvPr/>
-        </p:nvSpPr>
-        <p:spPr bwMode="auto">
-          <a:xfrm>
-            <a:off x="1330502" y="5311449"/>
-            <a:ext cx="1296144" cy="288032"/>
-          </a:xfrm>
-          <a:prstGeom prst="flowChartProcess">
-            <a:avLst/>
-          </a:prstGeom>
-          <a:solidFill>
-            <a:schemeClr val="accent1"/>
-          </a:solidFill>
-          <a:ln w="9525" cap="flat" cmpd="sng" algn="ctr">
-            <a:solidFill>
-              <a:schemeClr val="tx1"/>
-            </a:solidFill>
-            <a:prstDash val="solid"/>
-            <a:round/>
-            <a:headEnd type="none" w="med" len="med"/>
-            <a:tailEnd type="none" w="med" len="med"/>
-          </a:ln>
-          <a:effectLst/>
-          <a:extLst>
-            <a:ext uri="{AF507438-7753-43E0-B8FC-AC1667EBCBE1}">
-              <a14:hiddenEffects xmlns:a14="http://schemas.microsoft.com/office/drawing/2010/main">
-                <a:effectLst>
-                  <a:outerShdw dist="35921" dir="2700000" algn="ctr" rotWithShape="0">
-                    <a:schemeClr val="bg2"/>
-                  </a:outerShdw>
-                </a:effectLst>
-              </a14:hiddenEffects>
-            </a:ext>
-          </a:extLst>
-        </p:spPr>
-        <p:txBody>
-          <a:bodyPr vert="horz" wrap="square" lIns="91440" tIns="45720" rIns="91440" bIns="45720" numCol="1" rtlCol="0" anchor="t" anchorCtr="0" compatLnSpc="1">
-            <a:prstTxWarp prst="textNoShape">
-              <a:avLst/>
-            </a:prstTxWarp>
-          </a:bodyPr>
-          <a:lstStyle/>
-          <a:p>
-            <a:pPr marL="0" marR="0" indent="0" algn="ctr" defTabSz="914400" rtl="0" eaLnBrk="0" fontAlgn="base" latinLnBrk="0" hangingPunct="0">
-              <a:lnSpc>
-                <a:spcPct val="100000"/>
-              </a:lnSpc>
-              <a:spcBef>
-                <a:spcPct val="0"/>
-              </a:spcBef>
-              <a:spcAft>
-                <a:spcPct val="0"/>
-              </a:spcAft>
-              <a:buClrTx/>
-              <a:buSzTx/>
-              <a:buFontTx/>
-              <a:buNone/>
-              <a:tabLst/>
-            </a:pPr>
-            <a:r>
-              <a:rPr kumimoji="0" lang="en-US" sz="1100" b="0" i="0" u="none" strike="noStrike" cap="none" normalizeH="0" baseline="0" dirty="0" smtClean="0">
-                <a:ln>
-                  <a:noFill/>
-                </a:ln>
-                <a:solidFill>
-                  <a:schemeClr val="tx1"/>
-                </a:solidFill>
-                <a:effectLst/>
-                <a:latin typeface="Times" panose="02020603050405020304" pitchFamily="18" charset="0"/>
-              </a:rPr>
-              <a:t>Solve fast </a:t>
-            </a:r>
-            <a:r>
-              <a:rPr kumimoji="0" lang="en-US" sz="1100" b="0" i="0" u="none" strike="noStrike" cap="none" normalizeH="0" baseline="0" dirty="0" smtClean="0">
-                <a:ln>
-                  <a:noFill/>
-                </a:ln>
-                <a:solidFill>
-                  <a:schemeClr val="tx1"/>
-                </a:solidFill>
-                <a:effectLst/>
-                <a:latin typeface="Times" panose="02020603050405020304" pitchFamily="18" charset="0"/>
-              </a:rPr>
-              <a:t>LP</a:t>
             </a:r>
           </a:p>
         </p:txBody>
@@ -11237,7 +10774,6 @@
               <a:rPr lang="en-US" dirty="0"/>
               <a:t> Method</a:t>
             </a:r>
-            <a:endParaRPr lang="en-US" dirty="0"/>
           </a:p>
         </p:txBody>
       </p:sp>
@@ -11358,11 +10894,6 @@
               </a:rPr>
               <a:t> </a:t>
             </a:r>
-            <a:endParaRPr lang="en-US" dirty="0">
-              <a:solidFill>
-                <a:srgbClr val="000000"/>
-              </a:solidFill>
-            </a:endParaRPr>
           </a:p>
         </p:txBody>
       </p:sp>
@@ -11464,7 +10995,6 @@
               <a:rPr lang="en-US" dirty="0"/>
               <a:t>Method</a:t>
             </a:r>
-            <a:endParaRPr lang="en-US" dirty="0"/>
           </a:p>
         </p:txBody>
       </p:sp>
@@ -12208,16 +11738,6 @@
               </a:rPr>
               <a:t>Violation exist ?</a:t>
             </a:r>
-            <a:endParaRPr kumimoji="0" lang="en-US" sz="1100" b="0" i="0" u="none" strike="noStrike" cap="none" normalizeH="0" baseline="0" dirty="0" smtClean="0">
-              <a:ln>
-                <a:noFill/>
-              </a:ln>
-              <a:solidFill>
-                <a:schemeClr val="tx1"/>
-              </a:solidFill>
-              <a:effectLst/>
-              <a:latin typeface="Times" panose="02020603050405020304" pitchFamily="18" charset="0"/>
-            </a:endParaRPr>
           </a:p>
         </p:txBody>
       </p:sp>
@@ -12340,16 +11860,6 @@
               </a:rPr>
               <a:t>Add relative constraints</a:t>
             </a:r>
-            <a:endParaRPr kumimoji="0" lang="en-US" sz="1100" b="0" i="0" u="none" strike="noStrike" cap="none" normalizeH="0" baseline="0" dirty="0" smtClean="0">
-              <a:ln>
-                <a:noFill/>
-              </a:ln>
-              <a:solidFill>
-                <a:schemeClr val="tx1"/>
-              </a:solidFill>
-              <a:effectLst/>
-              <a:latin typeface="Times" panose="02020603050405020304" pitchFamily="18" charset="0"/>
-            </a:endParaRPr>
           </a:p>
         </p:txBody>
       </p:sp>
